--- a/abgabe/Datenbanken Präsentation.pptx
+++ b/abgabe/Datenbanken Präsentation.pptx
@@ -286,7 +286,7 @@
           <a:p>
             <a:fld id="{B705D5D1-F275-4588-BF3A-B715F3ED6115}" type="datetimeFigureOut">
               <a:rPr lang="de-CH" smtClean="0"/>
-              <a:t>04.12.2024</a:t>
+              <a:t>05.12.2024</a:t>
             </a:fld>
             <a:endParaRPr lang="de-CH"/>
           </a:p>
@@ -514,7 +514,7 @@
           <a:p>
             <a:fld id="{B705D5D1-F275-4588-BF3A-B715F3ED6115}" type="datetimeFigureOut">
               <a:rPr lang="de-CH" smtClean="0"/>
-              <a:t>04.12.2024</a:t>
+              <a:t>05.12.2024</a:t>
             </a:fld>
             <a:endParaRPr lang="de-CH"/>
           </a:p>
@@ -694,7 +694,7 @@
           <a:p>
             <a:fld id="{B705D5D1-F275-4588-BF3A-B715F3ED6115}" type="datetimeFigureOut">
               <a:rPr lang="de-CH" smtClean="0"/>
-              <a:t>04.12.2024</a:t>
+              <a:t>05.12.2024</a:t>
             </a:fld>
             <a:endParaRPr lang="de-CH"/>
           </a:p>
@@ -864,7 +864,7 @@
           <a:p>
             <a:fld id="{B705D5D1-F275-4588-BF3A-B715F3ED6115}" type="datetimeFigureOut">
               <a:rPr lang="de-CH" smtClean="0"/>
-              <a:t>04.12.2024</a:t>
+              <a:t>05.12.2024</a:t>
             </a:fld>
             <a:endParaRPr lang="de-CH"/>
           </a:p>
@@ -1118,7 +1118,7 @@
           <a:p>
             <a:fld id="{B705D5D1-F275-4588-BF3A-B715F3ED6115}" type="datetimeFigureOut">
               <a:rPr lang="de-CH" smtClean="0"/>
-              <a:t>04.12.2024</a:t>
+              <a:t>05.12.2024</a:t>
             </a:fld>
             <a:endParaRPr lang="de-CH"/>
           </a:p>
@@ -1444,7 +1444,7 @@
           <a:p>
             <a:fld id="{B705D5D1-F275-4588-BF3A-B715F3ED6115}" type="datetimeFigureOut">
               <a:rPr lang="de-CH" smtClean="0"/>
-              <a:t>04.12.2024</a:t>
+              <a:t>05.12.2024</a:t>
             </a:fld>
             <a:endParaRPr lang="de-CH"/>
           </a:p>
@@ -1895,7 +1895,7 @@
           <a:p>
             <a:fld id="{B705D5D1-F275-4588-BF3A-B715F3ED6115}" type="datetimeFigureOut">
               <a:rPr lang="de-CH" smtClean="0"/>
-              <a:t>04.12.2024</a:t>
+              <a:t>05.12.2024</a:t>
             </a:fld>
             <a:endParaRPr lang="de-CH"/>
           </a:p>
@@ -2013,7 +2013,7 @@
           <a:p>
             <a:fld id="{B705D5D1-F275-4588-BF3A-B715F3ED6115}" type="datetimeFigureOut">
               <a:rPr lang="de-CH" smtClean="0"/>
-              <a:t>04.12.2024</a:t>
+              <a:t>05.12.2024</a:t>
             </a:fld>
             <a:endParaRPr lang="de-CH"/>
           </a:p>
@@ -2108,7 +2108,7 @@
           <a:p>
             <a:fld id="{B705D5D1-F275-4588-BF3A-B715F3ED6115}" type="datetimeFigureOut">
               <a:rPr lang="de-CH" smtClean="0"/>
-              <a:t>04.12.2024</a:t>
+              <a:t>05.12.2024</a:t>
             </a:fld>
             <a:endParaRPr lang="de-CH"/>
           </a:p>
@@ -2395,7 +2395,7 @@
           <a:p>
             <a:fld id="{B705D5D1-F275-4588-BF3A-B715F3ED6115}" type="datetimeFigureOut">
               <a:rPr lang="de-CH" smtClean="0"/>
-              <a:t>04.12.2024</a:t>
+              <a:t>05.12.2024</a:t>
             </a:fld>
             <a:endParaRPr lang="de-CH"/>
           </a:p>
@@ -2717,7 +2717,7 @@
           <a:p>
             <a:fld id="{B705D5D1-F275-4588-BF3A-B715F3ED6115}" type="datetimeFigureOut">
               <a:rPr lang="de-CH" smtClean="0"/>
-              <a:t>04.12.2024</a:t>
+              <a:t>05.12.2024</a:t>
             </a:fld>
             <a:endParaRPr lang="de-CH"/>
           </a:p>
@@ -2971,7 +2971,7 @@
           <a:p>
             <a:fld id="{B705D5D1-F275-4588-BF3A-B715F3ED6115}" type="datetimeFigureOut">
               <a:rPr lang="de-CH" smtClean="0"/>
-              <a:t>04.12.2024</a:t>
+              <a:t>05.12.2024</a:t>
             </a:fld>
             <a:endParaRPr lang="de-CH"/>
           </a:p>
@@ -3688,7 +3688,7 @@
           <a:p>
             <a:r>
               <a:rPr lang="de-DE" dirty="0"/>
-              <a:t>Hotspot-Identifikation und Priorisierung von Restaurantinspektionen in New York City</a:t>
+              <a:t>Hotspot-Identifikation und Priorisierung von Restaurantinspektionen in New York</a:t>
             </a:r>
           </a:p>
           <a:p>
@@ -4156,8 +4156,8 @@
         </p:nvSpPr>
         <p:spPr bwMode="auto">
           <a:xfrm>
-            <a:off x="838200" y="1999722"/>
-            <a:ext cx="9881103" cy="2246769"/>
+            <a:off x="838200" y="2661441"/>
+            <a:ext cx="9881103" cy="923330"/>
           </a:xfrm>
           <a:prstGeom prst="rect">
             <a:avLst/>
@@ -4278,6 +4278,9 @@
             </a:pPr>
             <a:r>
               <a:rPr lang="de-DE" altLang="de-DE" dirty="0">
+                <a:solidFill>
+                  <a:srgbClr val="FF0000"/>
+                </a:solidFill>
                 <a:latin typeface="Arial" panose="020B0604020202020204" pitchFamily="34" charset="0"/>
               </a:rPr>
               <a:t>Foursquare Check-ins: Aktivitätsdaten der Kunden. </a:t>
@@ -4426,6 +4429,58 @@
           </a:extLst>
         </p:spPr>
       </p:pic>
+      <p:sp>
+        <p:nvSpPr>
+          <p:cNvPr id="3" name="Rechteck 2">
+            <a:extLst>
+              <a:ext uri="{FF2B5EF4-FFF2-40B4-BE49-F238E27FC236}">
+                <a16:creationId xmlns:a16="http://schemas.microsoft.com/office/drawing/2014/main" id="{C2A2B626-A7DC-2A2E-B260-66B383FEA85E}"/>
+              </a:ext>
+            </a:extLst>
+          </p:cNvPr>
+          <p:cNvSpPr/>
+          <p:nvPr/>
+        </p:nvSpPr>
+        <p:spPr>
+          <a:xfrm>
+            <a:off x="572168" y="3957053"/>
+            <a:ext cx="3400927" cy="2711115"/>
+          </a:xfrm>
+          <a:prstGeom prst="rect">
+            <a:avLst/>
+          </a:prstGeom>
+          <a:noFill/>
+          <a:ln w="76200">
+            <a:solidFill>
+              <a:srgbClr val="FF0000"/>
+            </a:solidFill>
+          </a:ln>
+        </p:spPr>
+        <p:style>
+          <a:lnRef idx="2">
+            <a:schemeClr val="accent1">
+              <a:shade val="15000"/>
+            </a:schemeClr>
+          </a:lnRef>
+          <a:fillRef idx="1">
+            <a:schemeClr val="accent1"/>
+          </a:fillRef>
+          <a:effectRef idx="0">
+            <a:schemeClr val="accent1"/>
+          </a:effectRef>
+          <a:fontRef idx="minor">
+            <a:schemeClr val="lt1"/>
+          </a:fontRef>
+        </p:style>
+        <p:txBody>
+          <a:bodyPr rtlCol="0" anchor="ctr"/>
+          <a:lstStyle/>
+          <a:p>
+            <a:pPr algn="ctr"/>
+            <a:endParaRPr lang="de-CH"/>
+          </a:p>
+        </p:txBody>
+      </p:sp>
     </p:spTree>
     <p:extLst>
       <p:ext uri="{BB962C8B-B14F-4D97-AF65-F5344CB8AC3E}">
